--- a/ppt 16-9/0550.我真怕有一天.pptx
+++ b/ppt 16-9/0550.我真怕有一天.pptx
@@ -5,7 +5,7 @@
     <p:sldMasterId id="2147483648" r:id="rId1"/>
   </p:sldMasterIdLst>
   <p:sldIdLst>
-    <p:sldId id="2300" r:id="rId2"/>
+    <p:sldId id="2301" r:id="rId2"/>
   </p:sldIdLst>
   <p:sldSz cx="12192000" cy="6858000"/>
   <p:notesSz cx="6858000" cy="9144000"/>
@@ -129,7 +129,7 @@
           <p:cNvPr id="2" name="标题 1">
             <a:extLst>
               <a:ext uri="{FF2B5EF4-FFF2-40B4-BE49-F238E27FC236}">
-                <a16:creationId xmlns:a16="http://schemas.microsoft.com/office/drawing/2014/main" id="{D9ADEAC6-1288-E9B2-ECDD-960B73A84E74}"/>
+                <a16:creationId xmlns:a16="http://schemas.microsoft.com/office/drawing/2014/main" id="{1B5F09ED-CEAE-AB06-27EC-E131BE8FA416}"/>
               </a:ext>
             </a:extLst>
           </p:cNvPr>
@@ -166,7 +166,7 @@
           <p:cNvPr id="3" name="副标题 2">
             <a:extLst>
               <a:ext uri="{FF2B5EF4-FFF2-40B4-BE49-F238E27FC236}">
-                <a16:creationId xmlns:a16="http://schemas.microsoft.com/office/drawing/2014/main" id="{88326214-C695-80D5-CDDC-F3E59EA35FD3}"/>
+                <a16:creationId xmlns:a16="http://schemas.microsoft.com/office/drawing/2014/main" id="{5D463A7F-EC32-CB8C-FB89-DC5CF801C9D3}"/>
               </a:ext>
             </a:extLst>
           </p:cNvPr>
@@ -236,7 +236,7 @@
           <p:cNvPr id="4" name="日期占位符 3">
             <a:extLst>
               <a:ext uri="{FF2B5EF4-FFF2-40B4-BE49-F238E27FC236}">
-                <a16:creationId xmlns:a16="http://schemas.microsoft.com/office/drawing/2014/main" id="{A4027829-4B10-7AF0-2830-1464E52A8A15}"/>
+                <a16:creationId xmlns:a16="http://schemas.microsoft.com/office/drawing/2014/main" id="{91F82E79-8493-7EE0-31E5-7C373982A6A0}"/>
               </a:ext>
             </a:extLst>
           </p:cNvPr>
@@ -252,7 +252,7 @@
           <a:bodyPr/>
           <a:lstStyle/>
           <a:p>
-            <a:fld id="{1C06AF64-AE35-4381-9F78-A7D8DD5F5DD6}" type="datetimeFigureOut">
+            <a:fld id="{9D610557-16ED-44D9-8C28-AA51AC48BCAD}" type="datetimeFigureOut">
               <a:rPr lang="zh-CN" altLang="en-US" smtClean="0"/>
               <a:t>2024/3/10</a:t>
             </a:fld>
@@ -265,7 +265,7 @@
           <p:cNvPr id="5" name="页脚占位符 4">
             <a:extLst>
               <a:ext uri="{FF2B5EF4-FFF2-40B4-BE49-F238E27FC236}">
-                <a16:creationId xmlns:a16="http://schemas.microsoft.com/office/drawing/2014/main" id="{C19C72A6-38D1-1618-27EE-3FFF39CD00B6}"/>
+                <a16:creationId xmlns:a16="http://schemas.microsoft.com/office/drawing/2014/main" id="{DECE0CC1-E529-DFFF-C889-6D94FF050B69}"/>
               </a:ext>
             </a:extLst>
           </p:cNvPr>
@@ -290,7 +290,7 @@
           <p:cNvPr id="6" name="灯片编号占位符 5">
             <a:extLst>
               <a:ext uri="{FF2B5EF4-FFF2-40B4-BE49-F238E27FC236}">
-                <a16:creationId xmlns:a16="http://schemas.microsoft.com/office/drawing/2014/main" id="{764F5002-B458-96EA-0E3B-53C385BA35CF}"/>
+                <a16:creationId xmlns:a16="http://schemas.microsoft.com/office/drawing/2014/main" id="{FDC30A70-1DFB-A20C-92A3-1B4174A7D14A}"/>
               </a:ext>
             </a:extLst>
           </p:cNvPr>
@@ -306,7 +306,7 @@
           <a:bodyPr/>
           <a:lstStyle/>
           <a:p>
-            <a:fld id="{06DC6B6D-E36C-4232-98AA-3BF40F82AA26}" type="slidenum">
+            <a:fld id="{92E388D9-09FA-4FC4-8BBA-AE236E0A5A62}" type="slidenum">
               <a:rPr lang="zh-CN" altLang="en-US" smtClean="0"/>
               <a:t>‹#›</a:t>
             </a:fld>
@@ -317,7 +317,7 @@
     </p:spTree>
     <p:extLst>
       <p:ext uri="{BB962C8B-B14F-4D97-AF65-F5344CB8AC3E}">
-        <p14:creationId xmlns:p14="http://schemas.microsoft.com/office/powerpoint/2010/main" val="3008013407"/>
+        <p14:creationId xmlns:p14="http://schemas.microsoft.com/office/powerpoint/2010/main" val="2715131570"/>
       </p:ext>
     </p:extLst>
   </p:cSld>
@@ -349,7 +349,7 @@
           <p:cNvPr id="2" name="标题 1">
             <a:extLst>
               <a:ext uri="{FF2B5EF4-FFF2-40B4-BE49-F238E27FC236}">
-                <a16:creationId xmlns:a16="http://schemas.microsoft.com/office/drawing/2014/main" id="{CDC136B4-513E-91C9-5411-81C9BC28CBC8}"/>
+                <a16:creationId xmlns:a16="http://schemas.microsoft.com/office/drawing/2014/main" id="{FEED682E-6313-0187-97FA-73965DD6EAC2}"/>
               </a:ext>
             </a:extLst>
           </p:cNvPr>
@@ -377,7 +377,7 @@
           <p:cNvPr id="3" name="竖排文字占位符 2">
             <a:extLst>
               <a:ext uri="{FF2B5EF4-FFF2-40B4-BE49-F238E27FC236}">
-                <a16:creationId xmlns:a16="http://schemas.microsoft.com/office/drawing/2014/main" id="{28AFE6D3-8125-6819-4C60-05C41C3FC0D3}"/>
+                <a16:creationId xmlns:a16="http://schemas.microsoft.com/office/drawing/2014/main" id="{8A0E3666-41EB-0619-C97B-B567C133487C}"/>
               </a:ext>
             </a:extLst>
           </p:cNvPr>
@@ -434,7 +434,7 @@
           <p:cNvPr id="4" name="日期占位符 3">
             <a:extLst>
               <a:ext uri="{FF2B5EF4-FFF2-40B4-BE49-F238E27FC236}">
-                <a16:creationId xmlns:a16="http://schemas.microsoft.com/office/drawing/2014/main" id="{51BFCB6F-0AD3-D7B9-05E1-EA938967318C}"/>
+                <a16:creationId xmlns:a16="http://schemas.microsoft.com/office/drawing/2014/main" id="{7444CF6B-7085-B93B-C2F5-16BAC69C6E99}"/>
               </a:ext>
             </a:extLst>
           </p:cNvPr>
@@ -450,7 +450,7 @@
           <a:bodyPr/>
           <a:lstStyle/>
           <a:p>
-            <a:fld id="{1C06AF64-AE35-4381-9F78-A7D8DD5F5DD6}" type="datetimeFigureOut">
+            <a:fld id="{9D610557-16ED-44D9-8C28-AA51AC48BCAD}" type="datetimeFigureOut">
               <a:rPr lang="zh-CN" altLang="en-US" smtClean="0"/>
               <a:t>2024/3/10</a:t>
             </a:fld>
@@ -463,7 +463,7 @@
           <p:cNvPr id="5" name="页脚占位符 4">
             <a:extLst>
               <a:ext uri="{FF2B5EF4-FFF2-40B4-BE49-F238E27FC236}">
-                <a16:creationId xmlns:a16="http://schemas.microsoft.com/office/drawing/2014/main" id="{AD79673D-4F58-7354-4B72-46B43B0711DB}"/>
+                <a16:creationId xmlns:a16="http://schemas.microsoft.com/office/drawing/2014/main" id="{2F2E4F15-3ABA-719F-65DC-4C3DFE1DF1EF}"/>
               </a:ext>
             </a:extLst>
           </p:cNvPr>
@@ -488,7 +488,7 @@
           <p:cNvPr id="6" name="灯片编号占位符 5">
             <a:extLst>
               <a:ext uri="{FF2B5EF4-FFF2-40B4-BE49-F238E27FC236}">
-                <a16:creationId xmlns:a16="http://schemas.microsoft.com/office/drawing/2014/main" id="{A2F89B96-1091-45C4-E753-B7F234FF2570}"/>
+                <a16:creationId xmlns:a16="http://schemas.microsoft.com/office/drawing/2014/main" id="{88F97A40-7EF1-9D16-97AF-B9AABCAC2C38}"/>
               </a:ext>
             </a:extLst>
           </p:cNvPr>
@@ -504,7 +504,7 @@
           <a:bodyPr/>
           <a:lstStyle/>
           <a:p>
-            <a:fld id="{06DC6B6D-E36C-4232-98AA-3BF40F82AA26}" type="slidenum">
+            <a:fld id="{92E388D9-09FA-4FC4-8BBA-AE236E0A5A62}" type="slidenum">
               <a:rPr lang="zh-CN" altLang="en-US" smtClean="0"/>
               <a:t>‹#›</a:t>
             </a:fld>
@@ -515,7 +515,7 @@
     </p:spTree>
     <p:extLst>
       <p:ext uri="{BB962C8B-B14F-4D97-AF65-F5344CB8AC3E}">
-        <p14:creationId xmlns:p14="http://schemas.microsoft.com/office/powerpoint/2010/main" val="3438540151"/>
+        <p14:creationId xmlns:p14="http://schemas.microsoft.com/office/powerpoint/2010/main" val="2389550265"/>
       </p:ext>
     </p:extLst>
   </p:cSld>
@@ -547,7 +547,7 @@
           <p:cNvPr id="2" name="竖排标题 1">
             <a:extLst>
               <a:ext uri="{FF2B5EF4-FFF2-40B4-BE49-F238E27FC236}">
-                <a16:creationId xmlns:a16="http://schemas.microsoft.com/office/drawing/2014/main" id="{A047F907-6273-79B9-61C4-302D0F9D1721}"/>
+                <a16:creationId xmlns:a16="http://schemas.microsoft.com/office/drawing/2014/main" id="{AB754C1D-531E-52BA-6A57-22988EDE61D7}"/>
               </a:ext>
             </a:extLst>
           </p:cNvPr>
@@ -580,7 +580,7 @@
           <p:cNvPr id="3" name="竖排文字占位符 2">
             <a:extLst>
               <a:ext uri="{FF2B5EF4-FFF2-40B4-BE49-F238E27FC236}">
-                <a16:creationId xmlns:a16="http://schemas.microsoft.com/office/drawing/2014/main" id="{76127ABA-4B61-0701-58CC-F857A4CD33A3}"/>
+                <a16:creationId xmlns:a16="http://schemas.microsoft.com/office/drawing/2014/main" id="{54979F21-F8D4-11A4-7D23-962961F4B710}"/>
               </a:ext>
             </a:extLst>
           </p:cNvPr>
@@ -642,7 +642,7 @@
           <p:cNvPr id="4" name="日期占位符 3">
             <a:extLst>
               <a:ext uri="{FF2B5EF4-FFF2-40B4-BE49-F238E27FC236}">
-                <a16:creationId xmlns:a16="http://schemas.microsoft.com/office/drawing/2014/main" id="{08A36758-749F-B276-CC6B-9B49698AEF6B}"/>
+                <a16:creationId xmlns:a16="http://schemas.microsoft.com/office/drawing/2014/main" id="{83433A90-2917-96EF-BBCC-2B8EC30D8559}"/>
               </a:ext>
             </a:extLst>
           </p:cNvPr>
@@ -658,7 +658,7 @@
           <a:bodyPr/>
           <a:lstStyle/>
           <a:p>
-            <a:fld id="{1C06AF64-AE35-4381-9F78-A7D8DD5F5DD6}" type="datetimeFigureOut">
+            <a:fld id="{9D610557-16ED-44D9-8C28-AA51AC48BCAD}" type="datetimeFigureOut">
               <a:rPr lang="zh-CN" altLang="en-US" smtClean="0"/>
               <a:t>2024/3/10</a:t>
             </a:fld>
@@ -671,7 +671,7 @@
           <p:cNvPr id="5" name="页脚占位符 4">
             <a:extLst>
               <a:ext uri="{FF2B5EF4-FFF2-40B4-BE49-F238E27FC236}">
-                <a16:creationId xmlns:a16="http://schemas.microsoft.com/office/drawing/2014/main" id="{C1B0ED7F-7EAA-1773-13E3-32B086745523}"/>
+                <a16:creationId xmlns:a16="http://schemas.microsoft.com/office/drawing/2014/main" id="{4E642060-0E11-3B86-BC08-2AF312061DA9}"/>
               </a:ext>
             </a:extLst>
           </p:cNvPr>
@@ -696,7 +696,7 @@
           <p:cNvPr id="6" name="灯片编号占位符 5">
             <a:extLst>
               <a:ext uri="{FF2B5EF4-FFF2-40B4-BE49-F238E27FC236}">
-                <a16:creationId xmlns:a16="http://schemas.microsoft.com/office/drawing/2014/main" id="{71F581C6-5790-7BEE-2BEC-66724E2C42B1}"/>
+                <a16:creationId xmlns:a16="http://schemas.microsoft.com/office/drawing/2014/main" id="{B3D5507A-2FD1-6F60-8DCC-350B014C9966}"/>
               </a:ext>
             </a:extLst>
           </p:cNvPr>
@@ -712,7 +712,7 @@
           <a:bodyPr/>
           <a:lstStyle/>
           <a:p>
-            <a:fld id="{06DC6B6D-E36C-4232-98AA-3BF40F82AA26}" type="slidenum">
+            <a:fld id="{92E388D9-09FA-4FC4-8BBA-AE236E0A5A62}" type="slidenum">
               <a:rPr lang="zh-CN" altLang="en-US" smtClean="0"/>
               <a:t>‹#›</a:t>
             </a:fld>
@@ -723,7 +723,7 @@
     </p:spTree>
     <p:extLst>
       <p:ext uri="{BB962C8B-B14F-4D97-AF65-F5344CB8AC3E}">
-        <p14:creationId xmlns:p14="http://schemas.microsoft.com/office/powerpoint/2010/main" val="4272437705"/>
+        <p14:creationId xmlns:p14="http://schemas.microsoft.com/office/powerpoint/2010/main" val="563826099"/>
       </p:ext>
     </p:extLst>
   </p:cSld>
@@ -755,7 +755,7 @@
           <p:cNvPr id="2" name="标题 1">
             <a:extLst>
               <a:ext uri="{FF2B5EF4-FFF2-40B4-BE49-F238E27FC236}">
-                <a16:creationId xmlns:a16="http://schemas.microsoft.com/office/drawing/2014/main" id="{FB40FD9D-4D01-ABFC-11CC-19461AC1CA67}"/>
+                <a16:creationId xmlns:a16="http://schemas.microsoft.com/office/drawing/2014/main" id="{036DB097-83D3-104B-8F22-C5D5B83F5A00}"/>
               </a:ext>
             </a:extLst>
           </p:cNvPr>
@@ -783,7 +783,7 @@
           <p:cNvPr id="3" name="内容占位符 2">
             <a:extLst>
               <a:ext uri="{FF2B5EF4-FFF2-40B4-BE49-F238E27FC236}">
-                <a16:creationId xmlns:a16="http://schemas.microsoft.com/office/drawing/2014/main" id="{7DBE3C77-9123-717B-6F68-9FAD8FFB2A16}"/>
+                <a16:creationId xmlns:a16="http://schemas.microsoft.com/office/drawing/2014/main" id="{3536E041-9C8A-3F0C-E689-E0EB6C8EFD20}"/>
               </a:ext>
             </a:extLst>
           </p:cNvPr>
@@ -840,7 +840,7 @@
           <p:cNvPr id="4" name="日期占位符 3">
             <a:extLst>
               <a:ext uri="{FF2B5EF4-FFF2-40B4-BE49-F238E27FC236}">
-                <a16:creationId xmlns:a16="http://schemas.microsoft.com/office/drawing/2014/main" id="{F0056485-6378-900D-3A3D-51AF79D03474}"/>
+                <a16:creationId xmlns:a16="http://schemas.microsoft.com/office/drawing/2014/main" id="{D587836E-DFAA-A02A-09BE-95CA9A6BB5AF}"/>
               </a:ext>
             </a:extLst>
           </p:cNvPr>
@@ -856,7 +856,7 @@
           <a:bodyPr/>
           <a:lstStyle/>
           <a:p>
-            <a:fld id="{1C06AF64-AE35-4381-9F78-A7D8DD5F5DD6}" type="datetimeFigureOut">
+            <a:fld id="{9D610557-16ED-44D9-8C28-AA51AC48BCAD}" type="datetimeFigureOut">
               <a:rPr lang="zh-CN" altLang="en-US" smtClean="0"/>
               <a:t>2024/3/10</a:t>
             </a:fld>
@@ -869,7 +869,7 @@
           <p:cNvPr id="5" name="页脚占位符 4">
             <a:extLst>
               <a:ext uri="{FF2B5EF4-FFF2-40B4-BE49-F238E27FC236}">
-                <a16:creationId xmlns:a16="http://schemas.microsoft.com/office/drawing/2014/main" id="{BAE487A0-BF7A-1145-8671-2FF99B4AE897}"/>
+                <a16:creationId xmlns:a16="http://schemas.microsoft.com/office/drawing/2014/main" id="{37B2C077-1BB9-E62D-4CEC-A233973AE5CE}"/>
               </a:ext>
             </a:extLst>
           </p:cNvPr>
@@ -894,7 +894,7 @@
           <p:cNvPr id="6" name="灯片编号占位符 5">
             <a:extLst>
               <a:ext uri="{FF2B5EF4-FFF2-40B4-BE49-F238E27FC236}">
-                <a16:creationId xmlns:a16="http://schemas.microsoft.com/office/drawing/2014/main" id="{E7A70EA1-4510-4BE2-544F-65A0C9DA0014}"/>
+                <a16:creationId xmlns:a16="http://schemas.microsoft.com/office/drawing/2014/main" id="{38A8DE70-7439-6B27-1FC0-DA3786F29ACB}"/>
               </a:ext>
             </a:extLst>
           </p:cNvPr>
@@ -910,7 +910,7 @@
           <a:bodyPr/>
           <a:lstStyle/>
           <a:p>
-            <a:fld id="{06DC6B6D-E36C-4232-98AA-3BF40F82AA26}" type="slidenum">
+            <a:fld id="{92E388D9-09FA-4FC4-8BBA-AE236E0A5A62}" type="slidenum">
               <a:rPr lang="zh-CN" altLang="en-US" smtClean="0"/>
               <a:t>‹#›</a:t>
             </a:fld>
@@ -921,7 +921,7 @@
     </p:spTree>
     <p:extLst>
       <p:ext uri="{BB962C8B-B14F-4D97-AF65-F5344CB8AC3E}">
-        <p14:creationId xmlns:p14="http://schemas.microsoft.com/office/powerpoint/2010/main" val="2171671982"/>
+        <p14:creationId xmlns:p14="http://schemas.microsoft.com/office/powerpoint/2010/main" val="2627297911"/>
       </p:ext>
     </p:extLst>
   </p:cSld>
@@ -953,7 +953,7 @@
           <p:cNvPr id="2" name="标题 1">
             <a:extLst>
               <a:ext uri="{FF2B5EF4-FFF2-40B4-BE49-F238E27FC236}">
-                <a16:creationId xmlns:a16="http://schemas.microsoft.com/office/drawing/2014/main" id="{2ACBDE4E-91B6-34B1-9FA1-BB7E797D159D}"/>
+                <a16:creationId xmlns:a16="http://schemas.microsoft.com/office/drawing/2014/main" id="{A091F0F3-0D57-50DA-DBC2-D25D3ED525E8}"/>
               </a:ext>
             </a:extLst>
           </p:cNvPr>
@@ -990,7 +990,7 @@
           <p:cNvPr id="3" name="文本占位符 2">
             <a:extLst>
               <a:ext uri="{FF2B5EF4-FFF2-40B4-BE49-F238E27FC236}">
-                <a16:creationId xmlns:a16="http://schemas.microsoft.com/office/drawing/2014/main" id="{18C212B6-6E42-00A3-B745-3F300B50FDCC}"/>
+                <a16:creationId xmlns:a16="http://schemas.microsoft.com/office/drawing/2014/main" id="{C3D84E3B-1596-6993-E897-FAF6C2A1794A}"/>
               </a:ext>
             </a:extLst>
           </p:cNvPr>
@@ -1115,7 +1115,7 @@
           <p:cNvPr id="4" name="日期占位符 3">
             <a:extLst>
               <a:ext uri="{FF2B5EF4-FFF2-40B4-BE49-F238E27FC236}">
-                <a16:creationId xmlns:a16="http://schemas.microsoft.com/office/drawing/2014/main" id="{65E6E4D5-CB42-2485-1378-6DD0730A41B4}"/>
+                <a16:creationId xmlns:a16="http://schemas.microsoft.com/office/drawing/2014/main" id="{0109D0A9-1355-EB1A-F453-9B220E46402D}"/>
               </a:ext>
             </a:extLst>
           </p:cNvPr>
@@ -1131,7 +1131,7 @@
           <a:bodyPr/>
           <a:lstStyle/>
           <a:p>
-            <a:fld id="{1C06AF64-AE35-4381-9F78-A7D8DD5F5DD6}" type="datetimeFigureOut">
+            <a:fld id="{9D610557-16ED-44D9-8C28-AA51AC48BCAD}" type="datetimeFigureOut">
               <a:rPr lang="zh-CN" altLang="en-US" smtClean="0"/>
               <a:t>2024/3/10</a:t>
             </a:fld>
@@ -1144,7 +1144,7 @@
           <p:cNvPr id="5" name="页脚占位符 4">
             <a:extLst>
               <a:ext uri="{FF2B5EF4-FFF2-40B4-BE49-F238E27FC236}">
-                <a16:creationId xmlns:a16="http://schemas.microsoft.com/office/drawing/2014/main" id="{F13F4687-7680-411D-6089-846C4D386F8E}"/>
+                <a16:creationId xmlns:a16="http://schemas.microsoft.com/office/drawing/2014/main" id="{6C146F36-0F91-A9CA-F327-5C778556F81E}"/>
               </a:ext>
             </a:extLst>
           </p:cNvPr>
@@ -1169,7 +1169,7 @@
           <p:cNvPr id="6" name="灯片编号占位符 5">
             <a:extLst>
               <a:ext uri="{FF2B5EF4-FFF2-40B4-BE49-F238E27FC236}">
-                <a16:creationId xmlns:a16="http://schemas.microsoft.com/office/drawing/2014/main" id="{F3A007F1-8585-454D-7028-6BB328EE34BC}"/>
+                <a16:creationId xmlns:a16="http://schemas.microsoft.com/office/drawing/2014/main" id="{3CC7CEAB-3468-1E82-C2F8-A3E0190F2A56}"/>
               </a:ext>
             </a:extLst>
           </p:cNvPr>
@@ -1185,7 +1185,7 @@
           <a:bodyPr/>
           <a:lstStyle/>
           <a:p>
-            <a:fld id="{06DC6B6D-E36C-4232-98AA-3BF40F82AA26}" type="slidenum">
+            <a:fld id="{92E388D9-09FA-4FC4-8BBA-AE236E0A5A62}" type="slidenum">
               <a:rPr lang="zh-CN" altLang="en-US" smtClean="0"/>
               <a:t>‹#›</a:t>
             </a:fld>
@@ -1196,7 +1196,7 @@
     </p:spTree>
     <p:extLst>
       <p:ext uri="{BB962C8B-B14F-4D97-AF65-F5344CB8AC3E}">
-        <p14:creationId xmlns:p14="http://schemas.microsoft.com/office/powerpoint/2010/main" val="1903326931"/>
+        <p14:creationId xmlns:p14="http://schemas.microsoft.com/office/powerpoint/2010/main" val="2602500651"/>
       </p:ext>
     </p:extLst>
   </p:cSld>
@@ -1228,7 +1228,7 @@
           <p:cNvPr id="2" name="标题 1">
             <a:extLst>
               <a:ext uri="{FF2B5EF4-FFF2-40B4-BE49-F238E27FC236}">
-                <a16:creationId xmlns:a16="http://schemas.microsoft.com/office/drawing/2014/main" id="{18A6AEB2-E65E-D3C5-1850-0B9C49E71742}"/>
+                <a16:creationId xmlns:a16="http://schemas.microsoft.com/office/drawing/2014/main" id="{E053B9C4-E1B3-75FC-2733-EEBFE482EFCB}"/>
               </a:ext>
             </a:extLst>
           </p:cNvPr>
@@ -1256,7 +1256,7 @@
           <p:cNvPr id="3" name="内容占位符 2">
             <a:extLst>
               <a:ext uri="{FF2B5EF4-FFF2-40B4-BE49-F238E27FC236}">
-                <a16:creationId xmlns:a16="http://schemas.microsoft.com/office/drawing/2014/main" id="{59DC6A18-4868-BB19-DB61-03F4D1A92A8A}"/>
+                <a16:creationId xmlns:a16="http://schemas.microsoft.com/office/drawing/2014/main" id="{12D5CDE5-5AEF-0A65-368B-617B48A10CA6}"/>
               </a:ext>
             </a:extLst>
           </p:cNvPr>
@@ -1318,7 +1318,7 @@
           <p:cNvPr id="4" name="内容占位符 3">
             <a:extLst>
               <a:ext uri="{FF2B5EF4-FFF2-40B4-BE49-F238E27FC236}">
-                <a16:creationId xmlns:a16="http://schemas.microsoft.com/office/drawing/2014/main" id="{8BC6B910-A080-5BDC-93FD-2309DCC3C56B}"/>
+                <a16:creationId xmlns:a16="http://schemas.microsoft.com/office/drawing/2014/main" id="{8058EAA1-EE94-4D72-6796-CB9B459A03C8}"/>
               </a:ext>
             </a:extLst>
           </p:cNvPr>
@@ -1380,7 +1380,7 @@
           <p:cNvPr id="5" name="日期占位符 4">
             <a:extLst>
               <a:ext uri="{FF2B5EF4-FFF2-40B4-BE49-F238E27FC236}">
-                <a16:creationId xmlns:a16="http://schemas.microsoft.com/office/drawing/2014/main" id="{2ABB59F9-161E-0C28-22C0-05ABD8B4130A}"/>
+                <a16:creationId xmlns:a16="http://schemas.microsoft.com/office/drawing/2014/main" id="{312414DF-6538-39EA-E72B-A0DB69B81D64}"/>
               </a:ext>
             </a:extLst>
           </p:cNvPr>
@@ -1396,7 +1396,7 @@
           <a:bodyPr/>
           <a:lstStyle/>
           <a:p>
-            <a:fld id="{1C06AF64-AE35-4381-9F78-A7D8DD5F5DD6}" type="datetimeFigureOut">
+            <a:fld id="{9D610557-16ED-44D9-8C28-AA51AC48BCAD}" type="datetimeFigureOut">
               <a:rPr lang="zh-CN" altLang="en-US" smtClean="0"/>
               <a:t>2024/3/10</a:t>
             </a:fld>
@@ -1409,7 +1409,7 @@
           <p:cNvPr id="6" name="页脚占位符 5">
             <a:extLst>
               <a:ext uri="{FF2B5EF4-FFF2-40B4-BE49-F238E27FC236}">
-                <a16:creationId xmlns:a16="http://schemas.microsoft.com/office/drawing/2014/main" id="{B3565FB7-8ED1-79D0-2E04-221D5068560B}"/>
+                <a16:creationId xmlns:a16="http://schemas.microsoft.com/office/drawing/2014/main" id="{A4A1EBEA-28FA-21E2-EF96-51B68F88DFC0}"/>
               </a:ext>
             </a:extLst>
           </p:cNvPr>
@@ -1434,7 +1434,7 @@
           <p:cNvPr id="7" name="灯片编号占位符 6">
             <a:extLst>
               <a:ext uri="{FF2B5EF4-FFF2-40B4-BE49-F238E27FC236}">
-                <a16:creationId xmlns:a16="http://schemas.microsoft.com/office/drawing/2014/main" id="{F6A8C024-A1D9-4A77-18DA-FBB3F477C698}"/>
+                <a16:creationId xmlns:a16="http://schemas.microsoft.com/office/drawing/2014/main" id="{9DECF680-182B-6853-9A77-E8E2C5CDEA5B}"/>
               </a:ext>
             </a:extLst>
           </p:cNvPr>
@@ -1450,7 +1450,7 @@
           <a:bodyPr/>
           <a:lstStyle/>
           <a:p>
-            <a:fld id="{06DC6B6D-E36C-4232-98AA-3BF40F82AA26}" type="slidenum">
+            <a:fld id="{92E388D9-09FA-4FC4-8BBA-AE236E0A5A62}" type="slidenum">
               <a:rPr lang="zh-CN" altLang="en-US" smtClean="0"/>
               <a:t>‹#›</a:t>
             </a:fld>
@@ -1461,7 +1461,7 @@
     </p:spTree>
     <p:extLst>
       <p:ext uri="{BB962C8B-B14F-4D97-AF65-F5344CB8AC3E}">
-        <p14:creationId xmlns:p14="http://schemas.microsoft.com/office/powerpoint/2010/main" val="914280692"/>
+        <p14:creationId xmlns:p14="http://schemas.microsoft.com/office/powerpoint/2010/main" val="2021651788"/>
       </p:ext>
     </p:extLst>
   </p:cSld>
@@ -1493,7 +1493,7 @@
           <p:cNvPr id="2" name="标题 1">
             <a:extLst>
               <a:ext uri="{FF2B5EF4-FFF2-40B4-BE49-F238E27FC236}">
-                <a16:creationId xmlns:a16="http://schemas.microsoft.com/office/drawing/2014/main" id="{AD8D9D38-5DE4-9848-D31C-4F020DCF4067}"/>
+                <a16:creationId xmlns:a16="http://schemas.microsoft.com/office/drawing/2014/main" id="{E2FCCE82-7CB8-8C17-BBAA-26D6C6F638CD}"/>
               </a:ext>
             </a:extLst>
           </p:cNvPr>
@@ -1526,7 +1526,7 @@
           <p:cNvPr id="3" name="文本占位符 2">
             <a:extLst>
               <a:ext uri="{FF2B5EF4-FFF2-40B4-BE49-F238E27FC236}">
-                <a16:creationId xmlns:a16="http://schemas.microsoft.com/office/drawing/2014/main" id="{199BAC42-43F0-663A-F19A-80A50F53FC86}"/>
+                <a16:creationId xmlns:a16="http://schemas.microsoft.com/office/drawing/2014/main" id="{6BAE4DFF-CE0F-E7AB-594F-76303BE141AD}"/>
               </a:ext>
             </a:extLst>
           </p:cNvPr>
@@ -1597,7 +1597,7 @@
           <p:cNvPr id="4" name="内容占位符 3">
             <a:extLst>
               <a:ext uri="{FF2B5EF4-FFF2-40B4-BE49-F238E27FC236}">
-                <a16:creationId xmlns:a16="http://schemas.microsoft.com/office/drawing/2014/main" id="{ADD815DA-572A-8CE2-996C-DF7C7C15F193}"/>
+                <a16:creationId xmlns:a16="http://schemas.microsoft.com/office/drawing/2014/main" id="{3F57E393-F5C9-183E-0605-A3C03C2D7F95}"/>
               </a:ext>
             </a:extLst>
           </p:cNvPr>
@@ -1659,7 +1659,7 @@
           <p:cNvPr id="5" name="文本占位符 4">
             <a:extLst>
               <a:ext uri="{FF2B5EF4-FFF2-40B4-BE49-F238E27FC236}">
-                <a16:creationId xmlns:a16="http://schemas.microsoft.com/office/drawing/2014/main" id="{1D996114-B42A-B737-5E7E-2B1E969EF0DD}"/>
+                <a16:creationId xmlns:a16="http://schemas.microsoft.com/office/drawing/2014/main" id="{42D826CD-09F1-F2C0-54D5-410934627166}"/>
               </a:ext>
             </a:extLst>
           </p:cNvPr>
@@ -1730,7 +1730,7 @@
           <p:cNvPr id="6" name="内容占位符 5">
             <a:extLst>
               <a:ext uri="{FF2B5EF4-FFF2-40B4-BE49-F238E27FC236}">
-                <a16:creationId xmlns:a16="http://schemas.microsoft.com/office/drawing/2014/main" id="{EA3B796E-2EA4-B355-8FF4-7FC151AF9CFA}"/>
+                <a16:creationId xmlns:a16="http://schemas.microsoft.com/office/drawing/2014/main" id="{166AA596-13D9-3CB7-EF56-721F63269836}"/>
               </a:ext>
             </a:extLst>
           </p:cNvPr>
@@ -1792,7 +1792,7 @@
           <p:cNvPr id="7" name="日期占位符 6">
             <a:extLst>
               <a:ext uri="{FF2B5EF4-FFF2-40B4-BE49-F238E27FC236}">
-                <a16:creationId xmlns:a16="http://schemas.microsoft.com/office/drawing/2014/main" id="{44D71F76-AA1B-8C32-4100-321798375E09}"/>
+                <a16:creationId xmlns:a16="http://schemas.microsoft.com/office/drawing/2014/main" id="{B0A9B082-B12C-F10E-FC1F-3D57DBCB4F8D}"/>
               </a:ext>
             </a:extLst>
           </p:cNvPr>
@@ -1808,7 +1808,7 @@
           <a:bodyPr/>
           <a:lstStyle/>
           <a:p>
-            <a:fld id="{1C06AF64-AE35-4381-9F78-A7D8DD5F5DD6}" type="datetimeFigureOut">
+            <a:fld id="{9D610557-16ED-44D9-8C28-AA51AC48BCAD}" type="datetimeFigureOut">
               <a:rPr lang="zh-CN" altLang="en-US" smtClean="0"/>
               <a:t>2024/3/10</a:t>
             </a:fld>
@@ -1821,7 +1821,7 @@
           <p:cNvPr id="8" name="页脚占位符 7">
             <a:extLst>
               <a:ext uri="{FF2B5EF4-FFF2-40B4-BE49-F238E27FC236}">
-                <a16:creationId xmlns:a16="http://schemas.microsoft.com/office/drawing/2014/main" id="{6B8921E2-C71B-521B-D004-A1F801EC014F}"/>
+                <a16:creationId xmlns:a16="http://schemas.microsoft.com/office/drawing/2014/main" id="{0967023D-B769-C327-C0BF-2CFA929C4CFA}"/>
               </a:ext>
             </a:extLst>
           </p:cNvPr>
@@ -1846,7 +1846,7 @@
           <p:cNvPr id="9" name="灯片编号占位符 8">
             <a:extLst>
               <a:ext uri="{FF2B5EF4-FFF2-40B4-BE49-F238E27FC236}">
-                <a16:creationId xmlns:a16="http://schemas.microsoft.com/office/drawing/2014/main" id="{4C63F86D-007E-FFB3-17E9-AB9BBCBA94B9}"/>
+                <a16:creationId xmlns:a16="http://schemas.microsoft.com/office/drawing/2014/main" id="{C9127946-7B69-C484-BB1E-22071C034AA8}"/>
               </a:ext>
             </a:extLst>
           </p:cNvPr>
@@ -1862,7 +1862,7 @@
           <a:bodyPr/>
           <a:lstStyle/>
           <a:p>
-            <a:fld id="{06DC6B6D-E36C-4232-98AA-3BF40F82AA26}" type="slidenum">
+            <a:fld id="{92E388D9-09FA-4FC4-8BBA-AE236E0A5A62}" type="slidenum">
               <a:rPr lang="zh-CN" altLang="en-US" smtClean="0"/>
               <a:t>‹#›</a:t>
             </a:fld>
@@ -1873,7 +1873,7 @@
     </p:spTree>
     <p:extLst>
       <p:ext uri="{BB962C8B-B14F-4D97-AF65-F5344CB8AC3E}">
-        <p14:creationId xmlns:p14="http://schemas.microsoft.com/office/powerpoint/2010/main" val="2163774290"/>
+        <p14:creationId xmlns:p14="http://schemas.microsoft.com/office/powerpoint/2010/main" val="803410654"/>
       </p:ext>
     </p:extLst>
   </p:cSld>
@@ -1905,7 +1905,7 @@
           <p:cNvPr id="2" name="标题 1">
             <a:extLst>
               <a:ext uri="{FF2B5EF4-FFF2-40B4-BE49-F238E27FC236}">
-                <a16:creationId xmlns:a16="http://schemas.microsoft.com/office/drawing/2014/main" id="{1E39442C-CF53-C151-68AA-3B793487E1CF}"/>
+                <a16:creationId xmlns:a16="http://schemas.microsoft.com/office/drawing/2014/main" id="{3FB3F4F3-E0A3-4DBC-C023-CC96B71479EE}"/>
               </a:ext>
             </a:extLst>
           </p:cNvPr>
@@ -1933,7 +1933,7 @@
           <p:cNvPr id="3" name="日期占位符 2">
             <a:extLst>
               <a:ext uri="{FF2B5EF4-FFF2-40B4-BE49-F238E27FC236}">
-                <a16:creationId xmlns:a16="http://schemas.microsoft.com/office/drawing/2014/main" id="{0E307CB6-AD16-4ED3-B709-45386C642A4F}"/>
+                <a16:creationId xmlns:a16="http://schemas.microsoft.com/office/drawing/2014/main" id="{CA72D098-1AED-BBFE-ABC2-4B644C7C4631}"/>
               </a:ext>
             </a:extLst>
           </p:cNvPr>
@@ -1949,7 +1949,7 @@
           <a:bodyPr/>
           <a:lstStyle/>
           <a:p>
-            <a:fld id="{1C06AF64-AE35-4381-9F78-A7D8DD5F5DD6}" type="datetimeFigureOut">
+            <a:fld id="{9D610557-16ED-44D9-8C28-AA51AC48BCAD}" type="datetimeFigureOut">
               <a:rPr lang="zh-CN" altLang="en-US" smtClean="0"/>
               <a:t>2024/3/10</a:t>
             </a:fld>
@@ -1962,7 +1962,7 @@
           <p:cNvPr id="4" name="页脚占位符 3">
             <a:extLst>
               <a:ext uri="{FF2B5EF4-FFF2-40B4-BE49-F238E27FC236}">
-                <a16:creationId xmlns:a16="http://schemas.microsoft.com/office/drawing/2014/main" id="{A83ACCAD-8ED6-7608-DED6-5E49B5485173}"/>
+                <a16:creationId xmlns:a16="http://schemas.microsoft.com/office/drawing/2014/main" id="{2F7DF336-06DC-F78D-EA1E-EC8A9F920E29}"/>
               </a:ext>
             </a:extLst>
           </p:cNvPr>
@@ -1987,7 +1987,7 @@
           <p:cNvPr id="5" name="灯片编号占位符 4">
             <a:extLst>
               <a:ext uri="{FF2B5EF4-FFF2-40B4-BE49-F238E27FC236}">
-                <a16:creationId xmlns:a16="http://schemas.microsoft.com/office/drawing/2014/main" id="{FAA1C4FE-79E4-747C-530F-3A8CFDB5156E}"/>
+                <a16:creationId xmlns:a16="http://schemas.microsoft.com/office/drawing/2014/main" id="{003882E7-66BA-C2B3-FE9E-F43F79CDEC52}"/>
               </a:ext>
             </a:extLst>
           </p:cNvPr>
@@ -2003,7 +2003,7 @@
           <a:bodyPr/>
           <a:lstStyle/>
           <a:p>
-            <a:fld id="{06DC6B6D-E36C-4232-98AA-3BF40F82AA26}" type="slidenum">
+            <a:fld id="{92E388D9-09FA-4FC4-8BBA-AE236E0A5A62}" type="slidenum">
               <a:rPr lang="zh-CN" altLang="en-US" smtClean="0"/>
               <a:t>‹#›</a:t>
             </a:fld>
@@ -2014,7 +2014,7 @@
     </p:spTree>
     <p:extLst>
       <p:ext uri="{BB962C8B-B14F-4D97-AF65-F5344CB8AC3E}">
-        <p14:creationId xmlns:p14="http://schemas.microsoft.com/office/powerpoint/2010/main" val="781158887"/>
+        <p14:creationId xmlns:p14="http://schemas.microsoft.com/office/powerpoint/2010/main" val="3060837439"/>
       </p:ext>
     </p:extLst>
   </p:cSld>
@@ -2046,7 +2046,7 @@
           <p:cNvPr id="2" name="日期占位符 1">
             <a:extLst>
               <a:ext uri="{FF2B5EF4-FFF2-40B4-BE49-F238E27FC236}">
-                <a16:creationId xmlns:a16="http://schemas.microsoft.com/office/drawing/2014/main" id="{B213646A-22E9-706A-CDBD-A9D43A00B143}"/>
+                <a16:creationId xmlns:a16="http://schemas.microsoft.com/office/drawing/2014/main" id="{7679686D-4CE5-2DF6-6F52-355F7B445276}"/>
               </a:ext>
             </a:extLst>
           </p:cNvPr>
@@ -2062,7 +2062,7 @@
           <a:bodyPr/>
           <a:lstStyle/>
           <a:p>
-            <a:fld id="{1C06AF64-AE35-4381-9F78-A7D8DD5F5DD6}" type="datetimeFigureOut">
+            <a:fld id="{9D610557-16ED-44D9-8C28-AA51AC48BCAD}" type="datetimeFigureOut">
               <a:rPr lang="zh-CN" altLang="en-US" smtClean="0"/>
               <a:t>2024/3/10</a:t>
             </a:fld>
@@ -2075,7 +2075,7 @@
           <p:cNvPr id="3" name="页脚占位符 2">
             <a:extLst>
               <a:ext uri="{FF2B5EF4-FFF2-40B4-BE49-F238E27FC236}">
-                <a16:creationId xmlns:a16="http://schemas.microsoft.com/office/drawing/2014/main" id="{E2906D3E-F5AA-5592-0E30-81B6A5CA03AE}"/>
+                <a16:creationId xmlns:a16="http://schemas.microsoft.com/office/drawing/2014/main" id="{E1D6E6A0-4BAC-E5B3-0D69-EDEB4518F488}"/>
               </a:ext>
             </a:extLst>
           </p:cNvPr>
@@ -2100,7 +2100,7 @@
           <p:cNvPr id="4" name="灯片编号占位符 3">
             <a:extLst>
               <a:ext uri="{FF2B5EF4-FFF2-40B4-BE49-F238E27FC236}">
-                <a16:creationId xmlns:a16="http://schemas.microsoft.com/office/drawing/2014/main" id="{4208D033-47B0-2B65-7B55-A73E1AE5EDC5}"/>
+                <a16:creationId xmlns:a16="http://schemas.microsoft.com/office/drawing/2014/main" id="{B94AFE60-2B09-F557-5A6B-99CA12567756}"/>
               </a:ext>
             </a:extLst>
           </p:cNvPr>
@@ -2116,7 +2116,7 @@
           <a:bodyPr/>
           <a:lstStyle/>
           <a:p>
-            <a:fld id="{06DC6B6D-E36C-4232-98AA-3BF40F82AA26}" type="slidenum">
+            <a:fld id="{92E388D9-09FA-4FC4-8BBA-AE236E0A5A62}" type="slidenum">
               <a:rPr lang="zh-CN" altLang="en-US" smtClean="0"/>
               <a:t>‹#›</a:t>
             </a:fld>
@@ -2127,7 +2127,7 @@
     </p:spTree>
     <p:extLst>
       <p:ext uri="{BB962C8B-B14F-4D97-AF65-F5344CB8AC3E}">
-        <p14:creationId xmlns:p14="http://schemas.microsoft.com/office/powerpoint/2010/main" val="2510812990"/>
+        <p14:creationId xmlns:p14="http://schemas.microsoft.com/office/powerpoint/2010/main" val="1928866715"/>
       </p:ext>
     </p:extLst>
   </p:cSld>
@@ -2159,7 +2159,7 @@
           <p:cNvPr id="2" name="标题 1">
             <a:extLst>
               <a:ext uri="{FF2B5EF4-FFF2-40B4-BE49-F238E27FC236}">
-                <a16:creationId xmlns:a16="http://schemas.microsoft.com/office/drawing/2014/main" id="{62CEF352-3238-DFCD-22D6-87E96FCD840D}"/>
+                <a16:creationId xmlns:a16="http://schemas.microsoft.com/office/drawing/2014/main" id="{02D930E0-CDAF-8A42-2EAA-2123B944F5DC}"/>
               </a:ext>
             </a:extLst>
           </p:cNvPr>
@@ -2196,7 +2196,7 @@
           <p:cNvPr id="3" name="内容占位符 2">
             <a:extLst>
               <a:ext uri="{FF2B5EF4-FFF2-40B4-BE49-F238E27FC236}">
-                <a16:creationId xmlns:a16="http://schemas.microsoft.com/office/drawing/2014/main" id="{72FFA9E8-E710-0124-A1E4-E021BD53D97F}"/>
+                <a16:creationId xmlns:a16="http://schemas.microsoft.com/office/drawing/2014/main" id="{267FF36E-134F-2384-62D8-37D35BF4CC45}"/>
               </a:ext>
             </a:extLst>
           </p:cNvPr>
@@ -2286,7 +2286,7 @@
           <p:cNvPr id="4" name="文本占位符 3">
             <a:extLst>
               <a:ext uri="{FF2B5EF4-FFF2-40B4-BE49-F238E27FC236}">
-                <a16:creationId xmlns:a16="http://schemas.microsoft.com/office/drawing/2014/main" id="{4604B17A-FD3C-005D-5221-AABC5666A408}"/>
+                <a16:creationId xmlns:a16="http://schemas.microsoft.com/office/drawing/2014/main" id="{C445852B-C3A4-75FF-F534-55B713673DAA}"/>
               </a:ext>
             </a:extLst>
           </p:cNvPr>
@@ -2357,7 +2357,7 @@
           <p:cNvPr id="5" name="日期占位符 4">
             <a:extLst>
               <a:ext uri="{FF2B5EF4-FFF2-40B4-BE49-F238E27FC236}">
-                <a16:creationId xmlns:a16="http://schemas.microsoft.com/office/drawing/2014/main" id="{F52B31F2-3F3A-6A57-1DDA-D754A71C753B}"/>
+                <a16:creationId xmlns:a16="http://schemas.microsoft.com/office/drawing/2014/main" id="{CB069CC4-8597-6377-3A1F-4E088AEF865C}"/>
               </a:ext>
             </a:extLst>
           </p:cNvPr>
@@ -2373,7 +2373,7 @@
           <a:bodyPr/>
           <a:lstStyle/>
           <a:p>
-            <a:fld id="{1C06AF64-AE35-4381-9F78-A7D8DD5F5DD6}" type="datetimeFigureOut">
+            <a:fld id="{9D610557-16ED-44D9-8C28-AA51AC48BCAD}" type="datetimeFigureOut">
               <a:rPr lang="zh-CN" altLang="en-US" smtClean="0"/>
               <a:t>2024/3/10</a:t>
             </a:fld>
@@ -2386,7 +2386,7 @@
           <p:cNvPr id="6" name="页脚占位符 5">
             <a:extLst>
               <a:ext uri="{FF2B5EF4-FFF2-40B4-BE49-F238E27FC236}">
-                <a16:creationId xmlns:a16="http://schemas.microsoft.com/office/drawing/2014/main" id="{B81424F1-940F-461A-2511-305D8979CF43}"/>
+                <a16:creationId xmlns:a16="http://schemas.microsoft.com/office/drawing/2014/main" id="{0598BAFD-E495-9C4C-9C16-E1F27591126E}"/>
               </a:ext>
             </a:extLst>
           </p:cNvPr>
@@ -2411,7 +2411,7 @@
           <p:cNvPr id="7" name="灯片编号占位符 6">
             <a:extLst>
               <a:ext uri="{FF2B5EF4-FFF2-40B4-BE49-F238E27FC236}">
-                <a16:creationId xmlns:a16="http://schemas.microsoft.com/office/drawing/2014/main" id="{82957CA7-C6C5-8555-0B36-E291563D1959}"/>
+                <a16:creationId xmlns:a16="http://schemas.microsoft.com/office/drawing/2014/main" id="{5ABADFA5-AFF6-887F-330D-1B540C405AFD}"/>
               </a:ext>
             </a:extLst>
           </p:cNvPr>
@@ -2427,7 +2427,7 @@
           <a:bodyPr/>
           <a:lstStyle/>
           <a:p>
-            <a:fld id="{06DC6B6D-E36C-4232-98AA-3BF40F82AA26}" type="slidenum">
+            <a:fld id="{92E388D9-09FA-4FC4-8BBA-AE236E0A5A62}" type="slidenum">
               <a:rPr lang="zh-CN" altLang="en-US" smtClean="0"/>
               <a:t>‹#›</a:t>
             </a:fld>
@@ -2438,7 +2438,7 @@
     </p:spTree>
     <p:extLst>
       <p:ext uri="{BB962C8B-B14F-4D97-AF65-F5344CB8AC3E}">
-        <p14:creationId xmlns:p14="http://schemas.microsoft.com/office/powerpoint/2010/main" val="3137871753"/>
+        <p14:creationId xmlns:p14="http://schemas.microsoft.com/office/powerpoint/2010/main" val="3859414592"/>
       </p:ext>
     </p:extLst>
   </p:cSld>
@@ -2470,7 +2470,7 @@
           <p:cNvPr id="2" name="标题 1">
             <a:extLst>
               <a:ext uri="{FF2B5EF4-FFF2-40B4-BE49-F238E27FC236}">
-                <a16:creationId xmlns:a16="http://schemas.microsoft.com/office/drawing/2014/main" id="{5128BD95-7553-16BC-CB31-F58A42514E24}"/>
+                <a16:creationId xmlns:a16="http://schemas.microsoft.com/office/drawing/2014/main" id="{659C1780-E275-07FD-DF93-48BEF5A08754}"/>
               </a:ext>
             </a:extLst>
           </p:cNvPr>
@@ -2507,7 +2507,7 @@
           <p:cNvPr id="3" name="图片占位符 2">
             <a:extLst>
               <a:ext uri="{FF2B5EF4-FFF2-40B4-BE49-F238E27FC236}">
-                <a16:creationId xmlns:a16="http://schemas.microsoft.com/office/drawing/2014/main" id="{5BBD50C3-B6A3-DE5C-8A75-CCF8078A1E4A}"/>
+                <a16:creationId xmlns:a16="http://schemas.microsoft.com/office/drawing/2014/main" id="{969A0D58-E3A5-B43B-A0B7-4FE3458E91AD}"/>
               </a:ext>
             </a:extLst>
           </p:cNvPr>
@@ -2574,7 +2574,7 @@
           <p:cNvPr id="4" name="文本占位符 3">
             <a:extLst>
               <a:ext uri="{FF2B5EF4-FFF2-40B4-BE49-F238E27FC236}">
-                <a16:creationId xmlns:a16="http://schemas.microsoft.com/office/drawing/2014/main" id="{143A477C-1F74-4D54-6455-A731E6C6EF8A}"/>
+                <a16:creationId xmlns:a16="http://schemas.microsoft.com/office/drawing/2014/main" id="{A8771A28-7DE2-042C-8084-348B6069875C}"/>
               </a:ext>
             </a:extLst>
           </p:cNvPr>
@@ -2645,7 +2645,7 @@
           <p:cNvPr id="5" name="日期占位符 4">
             <a:extLst>
               <a:ext uri="{FF2B5EF4-FFF2-40B4-BE49-F238E27FC236}">
-                <a16:creationId xmlns:a16="http://schemas.microsoft.com/office/drawing/2014/main" id="{C1CA1453-27B5-E7D1-7AD0-5D28C40AD4CB}"/>
+                <a16:creationId xmlns:a16="http://schemas.microsoft.com/office/drawing/2014/main" id="{7C858AD5-2003-6DBA-38BB-751807E2FDE4}"/>
               </a:ext>
             </a:extLst>
           </p:cNvPr>
@@ -2661,7 +2661,7 @@
           <a:bodyPr/>
           <a:lstStyle/>
           <a:p>
-            <a:fld id="{1C06AF64-AE35-4381-9F78-A7D8DD5F5DD6}" type="datetimeFigureOut">
+            <a:fld id="{9D610557-16ED-44D9-8C28-AA51AC48BCAD}" type="datetimeFigureOut">
               <a:rPr lang="zh-CN" altLang="en-US" smtClean="0"/>
               <a:t>2024/3/10</a:t>
             </a:fld>
@@ -2674,7 +2674,7 @@
           <p:cNvPr id="6" name="页脚占位符 5">
             <a:extLst>
               <a:ext uri="{FF2B5EF4-FFF2-40B4-BE49-F238E27FC236}">
-                <a16:creationId xmlns:a16="http://schemas.microsoft.com/office/drawing/2014/main" id="{81FAA6B6-A023-1591-861E-1DD97819F926}"/>
+                <a16:creationId xmlns:a16="http://schemas.microsoft.com/office/drawing/2014/main" id="{A422E252-E65C-E8C3-8568-DC91707B1218}"/>
               </a:ext>
             </a:extLst>
           </p:cNvPr>
@@ -2699,7 +2699,7 @@
           <p:cNvPr id="7" name="灯片编号占位符 6">
             <a:extLst>
               <a:ext uri="{FF2B5EF4-FFF2-40B4-BE49-F238E27FC236}">
-                <a16:creationId xmlns:a16="http://schemas.microsoft.com/office/drawing/2014/main" id="{46C3A9A3-651B-DCB2-286C-501829513C8C}"/>
+                <a16:creationId xmlns:a16="http://schemas.microsoft.com/office/drawing/2014/main" id="{832A5C50-1845-56A1-8A0F-6923C87A6C6C}"/>
               </a:ext>
             </a:extLst>
           </p:cNvPr>
@@ -2715,7 +2715,7 @@
           <a:bodyPr/>
           <a:lstStyle/>
           <a:p>
-            <a:fld id="{06DC6B6D-E36C-4232-98AA-3BF40F82AA26}" type="slidenum">
+            <a:fld id="{92E388D9-09FA-4FC4-8BBA-AE236E0A5A62}" type="slidenum">
               <a:rPr lang="zh-CN" altLang="en-US" smtClean="0"/>
               <a:t>‹#›</a:t>
             </a:fld>
@@ -2726,7 +2726,7 @@
     </p:spTree>
     <p:extLst>
       <p:ext uri="{BB962C8B-B14F-4D97-AF65-F5344CB8AC3E}">
-        <p14:creationId xmlns:p14="http://schemas.microsoft.com/office/powerpoint/2010/main" val="2589865958"/>
+        <p14:creationId xmlns:p14="http://schemas.microsoft.com/office/powerpoint/2010/main" val="3274751811"/>
       </p:ext>
     </p:extLst>
   </p:cSld>
@@ -2763,7 +2763,7 @@
           <p:cNvPr id="2" name="标题占位符 1">
             <a:extLst>
               <a:ext uri="{FF2B5EF4-FFF2-40B4-BE49-F238E27FC236}">
-                <a16:creationId xmlns:a16="http://schemas.microsoft.com/office/drawing/2014/main" id="{45570A90-72F6-B3D4-EF0D-479267B983C6}"/>
+                <a16:creationId xmlns:a16="http://schemas.microsoft.com/office/drawing/2014/main" id="{52937F52-8548-AAD7-2BFF-129AAB3CA9D6}"/>
               </a:ext>
             </a:extLst>
           </p:cNvPr>
@@ -2801,7 +2801,7 @@
           <p:cNvPr id="3" name="文本占位符 2">
             <a:extLst>
               <a:ext uri="{FF2B5EF4-FFF2-40B4-BE49-F238E27FC236}">
-                <a16:creationId xmlns:a16="http://schemas.microsoft.com/office/drawing/2014/main" id="{6C27233B-10AF-92C5-240D-7EBAB76BABCC}"/>
+                <a16:creationId xmlns:a16="http://schemas.microsoft.com/office/drawing/2014/main" id="{46B03F8A-7BF0-D305-768E-59A52632C48A}"/>
               </a:ext>
             </a:extLst>
           </p:cNvPr>
@@ -2868,7 +2868,7 @@
           <p:cNvPr id="4" name="日期占位符 3">
             <a:extLst>
               <a:ext uri="{FF2B5EF4-FFF2-40B4-BE49-F238E27FC236}">
-                <a16:creationId xmlns:a16="http://schemas.microsoft.com/office/drawing/2014/main" id="{A89E8BBD-8206-C75D-326E-45411C16658F}"/>
+                <a16:creationId xmlns:a16="http://schemas.microsoft.com/office/drawing/2014/main" id="{7327A1A3-D0BD-20D6-316E-FA3A2EC8DF46}"/>
               </a:ext>
             </a:extLst>
           </p:cNvPr>
@@ -2902,7 +2902,7 @@
             </a:lvl1pPr>
           </a:lstStyle>
           <a:p>
-            <a:fld id="{1C06AF64-AE35-4381-9F78-A7D8DD5F5DD6}" type="datetimeFigureOut">
+            <a:fld id="{9D610557-16ED-44D9-8C28-AA51AC48BCAD}" type="datetimeFigureOut">
               <a:rPr lang="zh-CN" altLang="en-US" smtClean="0"/>
               <a:t>2024/3/10</a:t>
             </a:fld>
@@ -2915,7 +2915,7 @@
           <p:cNvPr id="5" name="页脚占位符 4">
             <a:extLst>
               <a:ext uri="{FF2B5EF4-FFF2-40B4-BE49-F238E27FC236}">
-                <a16:creationId xmlns:a16="http://schemas.microsoft.com/office/drawing/2014/main" id="{37C14613-021A-8E6B-9E12-9760D42697DF}"/>
+                <a16:creationId xmlns:a16="http://schemas.microsoft.com/office/drawing/2014/main" id="{D6FBD8CC-0620-E9B0-579D-8656938B6B3D}"/>
               </a:ext>
             </a:extLst>
           </p:cNvPr>
@@ -2958,7 +2958,7 @@
           <p:cNvPr id="6" name="灯片编号占位符 5">
             <a:extLst>
               <a:ext uri="{FF2B5EF4-FFF2-40B4-BE49-F238E27FC236}">
-                <a16:creationId xmlns:a16="http://schemas.microsoft.com/office/drawing/2014/main" id="{394C16D9-5037-E535-D003-5DC60903A061}"/>
+                <a16:creationId xmlns:a16="http://schemas.microsoft.com/office/drawing/2014/main" id="{C5F52C1E-FB27-45A1-1E8F-DD8EA47DF201}"/>
               </a:ext>
             </a:extLst>
           </p:cNvPr>
@@ -2992,7 +2992,7 @@
             </a:lvl1pPr>
           </a:lstStyle>
           <a:p>
-            <a:fld id="{06DC6B6D-E36C-4232-98AA-3BF40F82AA26}" type="slidenum">
+            <a:fld id="{92E388D9-09FA-4FC4-8BBA-AE236E0A5A62}" type="slidenum">
               <a:rPr lang="zh-CN" altLang="en-US" smtClean="0"/>
               <a:t>‹#›</a:t>
             </a:fld>
@@ -3003,7 +3003,7 @@
     </p:spTree>
     <p:extLst>
       <p:ext uri="{BB962C8B-B14F-4D97-AF65-F5344CB8AC3E}">
-        <p14:creationId xmlns:p14="http://schemas.microsoft.com/office/powerpoint/2010/main" val="775620157"/>
+        <p14:creationId xmlns:p14="http://schemas.microsoft.com/office/powerpoint/2010/main" val="501253189"/>
       </p:ext>
     </p:extLst>
   </p:cSld>
@@ -3323,7 +3323,7 @@
       </p:grpSpPr>
       <p:pic>
         <p:nvPicPr>
-          <p:cNvPr id="563202" name="Picture 2" descr="549"/>
+          <p:cNvPr id="564226" name="Picture 2" descr="550"/>
           <p:cNvPicPr>
             <a:picLocks noChangeAspect="1" noChangeArrowheads="1"/>
           </p:cNvPicPr>
@@ -3375,11 +3375,509 @@
           </a:extLst>
         </p:spPr>
       </p:pic>
+      <p:pic>
+        <p:nvPicPr>
+          <p:cNvPr id="565251" name="Picture 3" descr="550-2"/>
+          <p:cNvPicPr>
+            <a:picLocks noChangeAspect="1" noChangeArrowheads="1"/>
+          </p:cNvPicPr>
+          <p:nvPr/>
+        </p:nvPicPr>
+        <p:blipFill>
+          <a:blip r:embed="rId3">
+            <a:extLst>
+              <a:ext uri="{28A0092B-C50C-407E-A947-70E740481C1C}">
+                <a14:useLocalDpi xmlns:a14="http://schemas.microsoft.com/office/drawing/2010/main" val="0"/>
+              </a:ext>
+            </a:extLst>
+          </a:blip>
+          <a:srcRect/>
+          <a:stretch>
+            <a:fillRect/>
+          </a:stretch>
+        </p:blipFill>
+        <p:spPr bwMode="auto">
+          <a:xfrm>
+            <a:off x="1524000" y="0"/>
+            <a:ext cx="9144000" cy="6858000"/>
+          </a:xfrm>
+          <a:prstGeom prst="rect">
+            <a:avLst/>
+          </a:prstGeom>
+          <a:noFill/>
+          <a:ln>
+            <a:noFill/>
+          </a:ln>
+          <a:effectLst/>
+          <a:extLst>
+            <a:ext uri="{909E8E84-426E-40DD-AFC4-6F175D3DCCD1}">
+              <a14:hiddenFill xmlns:a14="http://schemas.microsoft.com/office/drawing/2010/main">
+                <a:solidFill>
+                  <a:srgbClr val="FFFFFF"/>
+                </a:solidFill>
+              </a14:hiddenFill>
+            </a:ext>
+            <a:ext uri="{91240B29-F687-4F45-9708-019B960494DF}">
+              <a14:hiddenLine xmlns:a14="http://schemas.microsoft.com/office/drawing/2010/main" w="9525">
+                <a:solidFill>
+                  <a:srgbClr val="000000"/>
+                </a:solidFill>
+                <a:miter lim="800000"/>
+                <a:headEnd/>
+                <a:tailEnd/>
+              </a14:hiddenLine>
+            </a:ext>
+            <a:ext uri="{AF507438-7753-43E0-B8FC-AC1667EBCBE1}">
+              <a14:hiddenEffects xmlns:a14="http://schemas.microsoft.com/office/drawing/2010/main">
+                <a:effectLst>
+                  <a:outerShdw dist="35921" dir="2700000" algn="ctr" rotWithShape="0">
+                    <a:srgbClr val="808080"/>
+                  </a:outerShdw>
+                </a:effectLst>
+              </a14:hiddenEffects>
+            </a:ext>
+          </a:extLst>
+        </p:spPr>
+      </p:pic>
+      <p:pic>
+        <p:nvPicPr>
+          <p:cNvPr id="565252" name="Picture 4" descr="550-3"/>
+          <p:cNvPicPr>
+            <a:picLocks noChangeAspect="1" noChangeArrowheads="1"/>
+          </p:cNvPicPr>
+          <p:nvPr/>
+        </p:nvPicPr>
+        <p:blipFill>
+          <a:blip r:embed="rId4">
+            <a:extLst>
+              <a:ext uri="{28A0092B-C50C-407E-A947-70E740481C1C}">
+                <a14:useLocalDpi xmlns:a14="http://schemas.microsoft.com/office/drawing/2010/main" val="0"/>
+              </a:ext>
+            </a:extLst>
+          </a:blip>
+          <a:srcRect/>
+          <a:stretch>
+            <a:fillRect/>
+          </a:stretch>
+        </p:blipFill>
+        <p:spPr bwMode="auto">
+          <a:xfrm>
+            <a:off x="1524000" y="0"/>
+            <a:ext cx="9144000" cy="6858000"/>
+          </a:xfrm>
+          <a:prstGeom prst="rect">
+            <a:avLst/>
+          </a:prstGeom>
+          <a:noFill/>
+          <a:ln>
+            <a:noFill/>
+          </a:ln>
+          <a:effectLst/>
+          <a:extLst>
+            <a:ext uri="{909E8E84-426E-40DD-AFC4-6F175D3DCCD1}">
+              <a14:hiddenFill xmlns:a14="http://schemas.microsoft.com/office/drawing/2010/main">
+                <a:solidFill>
+                  <a:srgbClr val="FFFFFF"/>
+                </a:solidFill>
+              </a14:hiddenFill>
+            </a:ext>
+            <a:ext uri="{91240B29-F687-4F45-9708-019B960494DF}">
+              <a14:hiddenLine xmlns:a14="http://schemas.microsoft.com/office/drawing/2010/main" w="9525">
+                <a:solidFill>
+                  <a:srgbClr val="000000"/>
+                </a:solidFill>
+                <a:miter lim="800000"/>
+                <a:headEnd/>
+                <a:tailEnd/>
+              </a14:hiddenLine>
+            </a:ext>
+            <a:ext uri="{AF507438-7753-43E0-B8FC-AC1667EBCBE1}">
+              <a14:hiddenEffects xmlns:a14="http://schemas.microsoft.com/office/drawing/2010/main">
+                <a:effectLst>
+                  <a:outerShdw dist="35921" dir="2700000" algn="ctr" rotWithShape="0">
+                    <a:srgbClr val="808080"/>
+                  </a:outerShdw>
+                </a:effectLst>
+              </a14:hiddenEffects>
+            </a:ext>
+          </a:extLst>
+        </p:spPr>
+      </p:pic>
+      <p:pic>
+        <p:nvPicPr>
+          <p:cNvPr id="565253" name="Picture 5" descr="550-4"/>
+          <p:cNvPicPr>
+            <a:picLocks noChangeAspect="1" noChangeArrowheads="1"/>
+          </p:cNvPicPr>
+          <p:nvPr/>
+        </p:nvPicPr>
+        <p:blipFill>
+          <a:blip r:embed="rId5">
+            <a:extLst>
+              <a:ext uri="{28A0092B-C50C-407E-A947-70E740481C1C}">
+                <a14:useLocalDpi xmlns:a14="http://schemas.microsoft.com/office/drawing/2010/main" val="0"/>
+              </a:ext>
+            </a:extLst>
+          </a:blip>
+          <a:srcRect/>
+          <a:stretch>
+            <a:fillRect/>
+          </a:stretch>
+        </p:blipFill>
+        <p:spPr bwMode="auto">
+          <a:xfrm>
+            <a:off x="1524000" y="-12700"/>
+            <a:ext cx="9144000" cy="6843713"/>
+          </a:xfrm>
+          <a:prstGeom prst="rect">
+            <a:avLst/>
+          </a:prstGeom>
+          <a:noFill/>
+          <a:ln>
+            <a:noFill/>
+          </a:ln>
+          <a:effectLst/>
+          <a:extLst>
+            <a:ext uri="{909E8E84-426E-40DD-AFC4-6F175D3DCCD1}">
+              <a14:hiddenFill xmlns:a14="http://schemas.microsoft.com/office/drawing/2010/main">
+                <a:solidFill>
+                  <a:srgbClr val="FFFFFF"/>
+                </a:solidFill>
+              </a14:hiddenFill>
+            </a:ext>
+            <a:ext uri="{91240B29-F687-4F45-9708-019B960494DF}">
+              <a14:hiddenLine xmlns:a14="http://schemas.microsoft.com/office/drawing/2010/main" w="9525">
+                <a:solidFill>
+                  <a:srgbClr val="000000"/>
+                </a:solidFill>
+                <a:miter lim="800000"/>
+                <a:headEnd/>
+                <a:tailEnd/>
+              </a14:hiddenLine>
+            </a:ext>
+            <a:ext uri="{AF507438-7753-43E0-B8FC-AC1667EBCBE1}">
+              <a14:hiddenEffects xmlns:a14="http://schemas.microsoft.com/office/drawing/2010/main">
+                <a:effectLst>
+                  <a:outerShdw dist="35921" dir="2700000" algn="ctr" rotWithShape="0">
+                    <a:srgbClr val="808080"/>
+                  </a:outerShdw>
+                </a:effectLst>
+              </a14:hiddenEffects>
+            </a:ext>
+          </a:extLst>
+        </p:spPr>
+      </p:pic>
+      <p:pic>
+        <p:nvPicPr>
+          <p:cNvPr id="565254" name="Picture 6" descr="550-5"/>
+          <p:cNvPicPr>
+            <a:picLocks noChangeAspect="1" noChangeArrowheads="1"/>
+          </p:cNvPicPr>
+          <p:nvPr/>
+        </p:nvPicPr>
+        <p:blipFill>
+          <a:blip r:embed="rId6">
+            <a:extLst>
+              <a:ext uri="{28A0092B-C50C-407E-A947-70E740481C1C}">
+                <a14:useLocalDpi xmlns:a14="http://schemas.microsoft.com/office/drawing/2010/main" val="0"/>
+              </a:ext>
+            </a:extLst>
+          </a:blip>
+          <a:srcRect/>
+          <a:stretch>
+            <a:fillRect/>
+          </a:stretch>
+        </p:blipFill>
+        <p:spPr bwMode="auto">
+          <a:xfrm>
+            <a:off x="1524000" y="-12700"/>
+            <a:ext cx="9144000" cy="6843713"/>
+          </a:xfrm>
+          <a:prstGeom prst="rect">
+            <a:avLst/>
+          </a:prstGeom>
+          <a:noFill/>
+          <a:ln>
+            <a:noFill/>
+          </a:ln>
+          <a:effectLst/>
+          <a:extLst>
+            <a:ext uri="{909E8E84-426E-40DD-AFC4-6F175D3DCCD1}">
+              <a14:hiddenFill xmlns:a14="http://schemas.microsoft.com/office/drawing/2010/main">
+                <a:solidFill>
+                  <a:srgbClr val="FFFFFF"/>
+                </a:solidFill>
+              </a14:hiddenFill>
+            </a:ext>
+            <a:ext uri="{91240B29-F687-4F45-9708-019B960494DF}">
+              <a14:hiddenLine xmlns:a14="http://schemas.microsoft.com/office/drawing/2010/main" w="9525">
+                <a:solidFill>
+                  <a:srgbClr val="000000"/>
+                </a:solidFill>
+                <a:miter lim="800000"/>
+                <a:headEnd/>
+                <a:tailEnd/>
+              </a14:hiddenLine>
+            </a:ext>
+            <a:ext uri="{AF507438-7753-43E0-B8FC-AC1667EBCBE1}">
+              <a14:hiddenEffects xmlns:a14="http://schemas.microsoft.com/office/drawing/2010/main">
+                <a:effectLst>
+                  <a:outerShdw dist="35921" dir="2700000" algn="ctr" rotWithShape="0">
+                    <a:srgbClr val="808080"/>
+                  </a:outerShdw>
+                </a:effectLst>
+              </a14:hiddenEffects>
+            </a:ext>
+          </a:extLst>
+        </p:spPr>
+      </p:pic>
     </p:spTree>
   </p:cSld>
   <p:clrMapOvr>
     <a:masterClrMapping/>
   </p:clrMapOvr>
+  <p:timing>
+    <p:tnLst>
+      <p:par>
+        <p:cTn id="1" dur="indefinite" restart="never" nodeType="tmRoot">
+          <p:childTnLst>
+            <p:seq concurrent="1" nextAc="seek">
+              <p:cTn id="2" dur="indefinite" nodeType="mainSeq">
+                <p:childTnLst>
+                  <p:par>
+                    <p:cTn id="3" fill="hold" nodeType="clickPar">
+                      <p:stCondLst>
+                        <p:cond delay="indefinite"/>
+                      </p:stCondLst>
+                      <p:childTnLst>
+                        <p:par>
+                          <p:cTn id="4" fill="hold" nodeType="withGroup">
+                            <p:stCondLst>
+                              <p:cond delay="0"/>
+                            </p:stCondLst>
+                            <p:childTnLst>
+                              <p:par>
+                                <p:cTn id="5" presetID="10" presetClass="entr" presetSubtype="0" fill="hold" nodeType="clickEffect">
+                                  <p:stCondLst>
+                                    <p:cond delay="0"/>
+                                  </p:stCondLst>
+                                  <p:childTnLst>
+                                    <p:set>
+                                      <p:cBhvr>
+                                        <p:cTn id="6" dur="1" fill="hold">
+                                          <p:stCondLst>
+                                            <p:cond delay="0"/>
+                                          </p:stCondLst>
+                                        </p:cTn>
+                                        <p:tgtEl>
+                                          <p:spTgt spid="565251"/>
+                                        </p:tgtEl>
+                                        <p:attrNameLst>
+                                          <p:attrName>style.visibility</p:attrName>
+                                        </p:attrNameLst>
+                                      </p:cBhvr>
+                                      <p:to>
+                                        <p:strVal val="visible"/>
+                                      </p:to>
+                                    </p:set>
+                                    <p:animEffect transition="in" filter="fade">
+                                      <p:cBhvr>
+                                        <p:cTn id="7" dur="500"/>
+                                        <p:tgtEl>
+                                          <p:spTgt spid="565251"/>
+                                        </p:tgtEl>
+                                      </p:cBhvr>
+                                    </p:animEffect>
+                                  </p:childTnLst>
+                                </p:cTn>
+                              </p:par>
+                            </p:childTnLst>
+                          </p:cTn>
+                        </p:par>
+                      </p:childTnLst>
+                    </p:cTn>
+                  </p:par>
+                  <p:par>
+                    <p:cTn id="8" fill="hold" nodeType="clickPar">
+                      <p:stCondLst>
+                        <p:cond delay="indefinite"/>
+                      </p:stCondLst>
+                      <p:childTnLst>
+                        <p:par>
+                          <p:cTn id="9" fill="hold" nodeType="withGroup">
+                            <p:stCondLst>
+                              <p:cond delay="0"/>
+                            </p:stCondLst>
+                            <p:childTnLst>
+                              <p:par>
+                                <p:cTn id="10" presetID="10" presetClass="entr" presetSubtype="0" fill="hold" nodeType="clickEffect">
+                                  <p:stCondLst>
+                                    <p:cond delay="0"/>
+                                  </p:stCondLst>
+                                  <p:childTnLst>
+                                    <p:set>
+                                      <p:cBhvr>
+                                        <p:cTn id="11" dur="1" fill="hold">
+                                          <p:stCondLst>
+                                            <p:cond delay="0"/>
+                                          </p:stCondLst>
+                                        </p:cTn>
+                                        <p:tgtEl>
+                                          <p:spTgt spid="565252"/>
+                                        </p:tgtEl>
+                                        <p:attrNameLst>
+                                          <p:attrName>style.visibility</p:attrName>
+                                        </p:attrNameLst>
+                                      </p:cBhvr>
+                                      <p:to>
+                                        <p:strVal val="visible"/>
+                                      </p:to>
+                                    </p:set>
+                                    <p:animEffect transition="in" filter="fade">
+                                      <p:cBhvr>
+                                        <p:cTn id="12" dur="500"/>
+                                        <p:tgtEl>
+                                          <p:spTgt spid="565252"/>
+                                        </p:tgtEl>
+                                      </p:cBhvr>
+                                    </p:animEffect>
+                                  </p:childTnLst>
+                                </p:cTn>
+                              </p:par>
+                            </p:childTnLst>
+                          </p:cTn>
+                        </p:par>
+                      </p:childTnLst>
+                    </p:cTn>
+                  </p:par>
+                  <p:par>
+                    <p:cTn id="13" fill="hold" nodeType="clickPar">
+                      <p:stCondLst>
+                        <p:cond delay="indefinite"/>
+                      </p:stCondLst>
+                      <p:childTnLst>
+                        <p:par>
+                          <p:cTn id="14" fill="hold" nodeType="withGroup">
+                            <p:stCondLst>
+                              <p:cond delay="0"/>
+                            </p:stCondLst>
+                            <p:childTnLst>
+                              <p:par>
+                                <p:cTn id="15" presetID="10" presetClass="entr" presetSubtype="0" fill="hold" nodeType="clickEffect">
+                                  <p:stCondLst>
+                                    <p:cond delay="0"/>
+                                  </p:stCondLst>
+                                  <p:childTnLst>
+                                    <p:set>
+                                      <p:cBhvr>
+                                        <p:cTn id="16" dur="1" fill="hold">
+                                          <p:stCondLst>
+                                            <p:cond delay="0"/>
+                                          </p:stCondLst>
+                                        </p:cTn>
+                                        <p:tgtEl>
+                                          <p:spTgt spid="565253"/>
+                                        </p:tgtEl>
+                                        <p:attrNameLst>
+                                          <p:attrName>style.visibility</p:attrName>
+                                        </p:attrNameLst>
+                                      </p:cBhvr>
+                                      <p:to>
+                                        <p:strVal val="visible"/>
+                                      </p:to>
+                                    </p:set>
+                                    <p:animEffect transition="in" filter="fade">
+                                      <p:cBhvr>
+                                        <p:cTn id="17" dur="500"/>
+                                        <p:tgtEl>
+                                          <p:spTgt spid="565253"/>
+                                        </p:tgtEl>
+                                      </p:cBhvr>
+                                    </p:animEffect>
+                                  </p:childTnLst>
+                                </p:cTn>
+                              </p:par>
+                            </p:childTnLst>
+                          </p:cTn>
+                        </p:par>
+                      </p:childTnLst>
+                    </p:cTn>
+                  </p:par>
+                  <p:par>
+                    <p:cTn id="18" fill="hold" nodeType="clickPar">
+                      <p:stCondLst>
+                        <p:cond delay="indefinite"/>
+                      </p:stCondLst>
+                      <p:childTnLst>
+                        <p:par>
+                          <p:cTn id="19" fill="hold" nodeType="withGroup">
+                            <p:stCondLst>
+                              <p:cond delay="0"/>
+                            </p:stCondLst>
+                            <p:childTnLst>
+                              <p:par>
+                                <p:cTn id="20" presetID="10" presetClass="entr" presetSubtype="0" fill="hold" nodeType="clickEffect">
+                                  <p:stCondLst>
+                                    <p:cond delay="0"/>
+                                  </p:stCondLst>
+                                  <p:childTnLst>
+                                    <p:set>
+                                      <p:cBhvr>
+                                        <p:cTn id="21" dur="1" fill="hold">
+                                          <p:stCondLst>
+                                            <p:cond delay="0"/>
+                                          </p:stCondLst>
+                                        </p:cTn>
+                                        <p:tgtEl>
+                                          <p:spTgt spid="565254"/>
+                                        </p:tgtEl>
+                                        <p:attrNameLst>
+                                          <p:attrName>style.visibility</p:attrName>
+                                        </p:attrNameLst>
+                                      </p:cBhvr>
+                                      <p:to>
+                                        <p:strVal val="visible"/>
+                                      </p:to>
+                                    </p:set>
+                                    <p:animEffect transition="in" filter="fade">
+                                      <p:cBhvr>
+                                        <p:cTn id="22" dur="500"/>
+                                        <p:tgtEl>
+                                          <p:spTgt spid="565254"/>
+                                        </p:tgtEl>
+                                      </p:cBhvr>
+                                    </p:animEffect>
+                                  </p:childTnLst>
+                                </p:cTn>
+                              </p:par>
+                            </p:childTnLst>
+                          </p:cTn>
+                        </p:par>
+                      </p:childTnLst>
+                    </p:cTn>
+                  </p:par>
+                </p:childTnLst>
+              </p:cTn>
+              <p:prevCondLst>
+                <p:cond evt="onPrev" delay="0">
+                  <p:tgtEl>
+                    <p:sldTgt/>
+                  </p:tgtEl>
+                </p:cond>
+              </p:prevCondLst>
+              <p:nextCondLst>
+                <p:cond evt="onNext" delay="0">
+                  <p:tgtEl>
+                    <p:sldTgt/>
+                  </p:tgtEl>
+                </p:cond>
+              </p:nextCondLst>
+            </p:seq>
+          </p:childTnLst>
+        </p:cTn>
+      </p:par>
+    </p:tnLst>
+  </p:timing>
 </p:sld>
 </file>
 
